--- a/Documentation/TeamZealotDark.pptx
+++ b/Documentation/TeamZealotDark.pptx
@@ -4732,7 +4732,7 @@
           <a:graphicData uri="http://schemas.openxmlformats.org/presentationml/2006/ole">
             <mc:AlternateContent xmlns:mc="http://schemas.openxmlformats.org/markup-compatibility/2006">
               <mc:Choice xmlns:v="urn:schemas-microsoft-com:vml" Requires="v">
-                <p:oleObj spid="_x0000_s1026" name="Презентация" r:id="rId3" imgW="4570501" imgH="3427618" progId="PowerPoint.Show.12">
+                <p:oleObj spid="_x0000_s1027" name="Презентация" r:id="rId3" imgW="4570501" imgH="3427618" progId="PowerPoint.Show.12">
                   <p:embed/>
                 </p:oleObj>
               </mc:Choice>
@@ -4826,10 +4826,25 @@
           <a:p>
             <a:pPr algn="ctr"/>
             <a:r>
-              <a:rPr lang="en-US" sz="3600" dirty="0" smtClean="0"/>
+              <a:rPr lang="en-US" sz="3600" dirty="0" smtClean="0">
+                <a:solidFill>
+                  <a:schemeClr val="accent6">
+                    <a:lumMod val="60000"/>
+                    <a:lumOff val="40000"/>
+                  </a:schemeClr>
+                </a:solidFill>
+                <a:hlinkClick r:id="rId5"/>
+              </a:rPr>
               <a:t>https://github.com/Team-Zealot-Databases</a:t>
             </a:r>
-            <a:endParaRPr lang="en-US" sz="3600" dirty="0"/>
+            <a:endParaRPr lang="en-US" sz="3600" dirty="0">
+              <a:solidFill>
+                <a:schemeClr val="accent6">
+                  <a:lumMod val="60000"/>
+                  <a:lumOff val="40000"/>
+                </a:schemeClr>
+              </a:solidFill>
+            </a:endParaRPr>
           </a:p>
         </p:txBody>
       </p:sp>
@@ -4873,25 +4888,25 @@
         <a:srgbClr val="E5E4DF"/>
       </a:accent1>
       <a:accent2>
-        <a:srgbClr val="FFFFFF"/>
+        <a:srgbClr val="7030A0"/>
       </a:accent2>
       <a:accent3>
-        <a:srgbClr val="FFFFFF"/>
+        <a:srgbClr val="FF0000"/>
       </a:accent3>
       <a:accent4>
-        <a:srgbClr val="FFFFFF"/>
+        <a:srgbClr val="B69D21"/>
       </a:accent4>
       <a:accent5>
         <a:srgbClr val="927C61"/>
       </a:accent5>
       <a:accent6>
-        <a:srgbClr val="B3B435"/>
+        <a:srgbClr val="68B1D6"/>
       </a:accent6>
       <a:hlink>
-        <a:srgbClr val="FFC000"/>
+        <a:srgbClr val="56A8D0"/>
       </a:hlink>
       <a:folHlink>
-        <a:srgbClr val="F3EABD"/>
+        <a:srgbClr val="C2DFEE"/>
       </a:folHlink>
     </a:clrScheme>
     <a:fontScheme name="Tradeshow">

--- a/Documentation/TeamZealotDark.pptx
+++ b/Documentation/TeamZealotDark.pptx
@@ -10,8 +10,9 @@
     <p:sldId id="260" r:id="rId4"/>
     <p:sldId id="262" r:id="rId5"/>
     <p:sldId id="263" r:id="rId6"/>
-    <p:sldId id="261" r:id="rId7"/>
-    <p:sldId id="264" r:id="rId8"/>
+    <p:sldId id="265" r:id="rId7"/>
+    <p:sldId id="261" r:id="rId8"/>
+    <p:sldId id="264" r:id="rId9"/>
   </p:sldIdLst>
   <p:sldSz cx="9144000" cy="6858000" type="screen4x3"/>
   <p:notesSz cx="6858000" cy="9144000"/>
@@ -110,6 +111,22 @@
       </a:defRPr>
     </a:lvl9pPr>
   </p:defaultTextStyle>
+  <p:extLst>
+    <p:ext uri="{EFAFB233-063F-42B5-8137-9DF3F51BA10A}">
+      <p15:sldGuideLst xmlns:p15="http://schemas.microsoft.com/office/powerpoint/2012/main">
+        <p15:guide id="1" orient="horz" pos="2160">
+          <p15:clr>
+            <a:srgbClr val="A4A3A4"/>
+          </p15:clr>
+        </p15:guide>
+        <p15:guide id="2" pos="2880">
+          <p15:clr>
+            <a:srgbClr val="A4A3A4"/>
+          </p15:clr>
+        </p15:guide>
+      </p15:sldGuideLst>
+    </p:ext>
+  </p:extLst>
 </p:presentation>
 </file>
 
@@ -302,7 +319,7 @@
           <a:p>
             <a:fld id="{0CC40464-4E05-4957-8E54-79E8ABF28EE3}" type="datetimeFigureOut">
               <a:rPr lang="en-US" smtClean="0"/>
-              <a:t>03-Sep-14</a:t>
+              <a:t>9/4/2014</a:t>
             </a:fld>
             <a:endParaRPr lang="en-US"/>
           </a:p>
@@ -479,7 +496,7 @@
           <a:p>
             <a:fld id="{0CC40464-4E05-4957-8E54-79E8ABF28EE3}" type="datetimeFigureOut">
               <a:rPr lang="en-US" smtClean="0"/>
-              <a:t>03-Sep-14</a:t>
+              <a:t>9/4/2014</a:t>
             </a:fld>
             <a:endParaRPr lang="en-US"/>
           </a:p>
@@ -677,7 +694,7 @@
           <a:p>
             <a:fld id="{0CC40464-4E05-4957-8E54-79E8ABF28EE3}" type="datetimeFigureOut">
               <a:rPr lang="en-US" smtClean="0"/>
-              <a:t>03-Sep-14</a:t>
+              <a:t>9/4/2014</a:t>
             </a:fld>
             <a:endParaRPr lang="en-US"/>
           </a:p>
@@ -831,7 +848,7 @@
           <a:p>
             <a:fld id="{0CC40464-4E05-4957-8E54-79E8ABF28EE3}" type="datetimeFigureOut">
               <a:rPr lang="en-US" smtClean="0"/>
-              <a:t>03-Sep-14</a:t>
+              <a:t>9/4/2014</a:t>
             </a:fld>
             <a:endParaRPr lang="en-US"/>
           </a:p>
@@ -1106,7 +1123,7 @@
           <a:p>
             <a:fld id="{0CC40464-4E05-4957-8E54-79E8ABF28EE3}" type="datetimeFigureOut">
               <a:rPr lang="en-US" smtClean="0"/>
-              <a:t>03-Sep-14</a:t>
+              <a:t>9/4/2014</a:t>
             </a:fld>
             <a:endParaRPr lang="en-US"/>
           </a:p>
@@ -1405,7 +1422,7 @@
           <a:p>
             <a:fld id="{0CC40464-4E05-4957-8E54-79E8ABF28EE3}" type="datetimeFigureOut">
               <a:rPr lang="en-US" smtClean="0"/>
-              <a:t>03-Sep-14</a:t>
+              <a:t>9/4/2014</a:t>
             </a:fld>
             <a:endParaRPr lang="en-US"/>
           </a:p>
@@ -1847,7 +1864,7 @@
           <a:p>
             <a:fld id="{0CC40464-4E05-4957-8E54-79E8ABF28EE3}" type="datetimeFigureOut">
               <a:rPr lang="en-US" smtClean="0"/>
-              <a:t>03-Sep-14</a:t>
+              <a:t>9/4/2014</a:t>
             </a:fld>
             <a:endParaRPr lang="en-US"/>
           </a:p>
@@ -1954,7 +1971,7 @@
           <a:p>
             <a:fld id="{0CC40464-4E05-4957-8E54-79E8ABF28EE3}" type="datetimeFigureOut">
               <a:rPr lang="en-US" smtClean="0"/>
-              <a:t>03-Sep-14</a:t>
+              <a:t>9/4/2014</a:t>
             </a:fld>
             <a:endParaRPr lang="en-US"/>
           </a:p>
@@ -2074,7 +2091,7 @@
           <a:p>
             <a:fld id="{0CC40464-4E05-4957-8E54-79E8ABF28EE3}" type="datetimeFigureOut">
               <a:rPr lang="en-US" smtClean="0"/>
-              <a:t>03-Sep-14</a:t>
+              <a:t>9/4/2014</a:t>
             </a:fld>
             <a:endParaRPr lang="en-US"/>
           </a:p>
@@ -2359,7 +2376,7 @@
           <a:p>
             <a:fld id="{0CC40464-4E05-4957-8E54-79E8ABF28EE3}" type="datetimeFigureOut">
               <a:rPr lang="en-US" smtClean="0"/>
-              <a:t>03-Sep-14</a:t>
+              <a:t>9/4/2014</a:t>
             </a:fld>
             <a:endParaRPr lang="en-US"/>
           </a:p>
@@ -2630,7 +2647,7 @@
           <a:p>
             <a:fld id="{0CC40464-4E05-4957-8E54-79E8ABF28EE3}" type="datetimeFigureOut">
               <a:rPr lang="en-US" smtClean="0"/>
-              <a:t>03-Sep-14</a:t>
+              <a:t>9/4/2014</a:t>
             </a:fld>
             <a:endParaRPr lang="en-US"/>
           </a:p>
@@ -2867,7 +2884,7 @@
           <a:p>
             <a:fld id="{0CC40464-4E05-4957-8E54-79E8ABF28EE3}" type="datetimeFigureOut">
               <a:rPr lang="en-US" smtClean="0"/>
-              <a:t>03-Sep-14</a:t>
+              <a:t>9/4/2014</a:t>
             </a:fld>
             <a:endParaRPr lang="en-US"/>
           </a:p>
@@ -4531,6 +4548,248 @@
           <a:chExt cx="0" cy="0"/>
         </a:xfrm>
       </p:grpSpPr>
+      <p:sp>
+        <p:nvSpPr>
+          <p:cNvPr id="2" name="Content Placeholder 1"/>
+          <p:cNvSpPr>
+            <a:spLocks noGrp="1"/>
+          </p:cNvSpPr>
+          <p:nvPr>
+            <p:ph sz="quarter" idx="13"/>
+          </p:nvPr>
+        </p:nvSpPr>
+        <p:spPr>
+          <a:xfrm>
+            <a:off x="468086" y="1524000"/>
+            <a:ext cx="8172994" cy="4876800"/>
+          </a:xfrm>
+        </p:spPr>
+        <p:txBody>
+          <a:bodyPr>
+            <a:normAutofit/>
+          </a:bodyPr>
+          <a:lstStyle/>
+          <a:p>
+            <a:r>
+              <a:rPr lang="en-US" sz="3200" dirty="0" smtClean="0"/>
+              <a:t>Repository pattern</a:t>
+            </a:r>
+          </a:p>
+          <a:p>
+            <a:r>
+              <a:rPr lang="en-US" sz="3200" dirty="0" err="1" smtClean="0"/>
+              <a:t>Uow</a:t>
+            </a:r>
+            <a:r>
+              <a:rPr lang="en-US" sz="3200" dirty="0" smtClean="0"/>
+              <a:t> – </a:t>
+            </a:r>
+            <a:r>
+              <a:rPr lang="en-US" sz="3200" dirty="0" err="1" smtClean="0"/>
+              <a:t>RobotsFactoryData</a:t>
+            </a:r>
+            <a:endParaRPr lang="en-US" sz="3200" dirty="0" smtClean="0"/>
+          </a:p>
+          <a:p>
+            <a:r>
+              <a:rPr lang="en-US" sz="3200" dirty="0" smtClean="0"/>
+              <a:t>Factory – XML, Excel, </a:t>
+            </a:r>
+            <a:r>
+              <a:rPr lang="en-US" sz="3200" dirty="0" err="1" smtClean="0"/>
+              <a:t>Json</a:t>
+            </a:r>
+            <a:r>
+              <a:rPr lang="en-US" sz="3200" dirty="0" smtClean="0"/>
+              <a:t>, Pdf generators</a:t>
+            </a:r>
+          </a:p>
+          <a:p>
+            <a:r>
+              <a:rPr lang="en-US" sz="3200" dirty="0" smtClean="0"/>
+              <a:t>Etc</a:t>
+            </a:r>
+            <a:r>
+              <a:rPr lang="en-US" sz="3200" dirty="0" smtClean="0"/>
+              <a:t>.</a:t>
+            </a:r>
+          </a:p>
+          <a:p>
+            <a:endParaRPr lang="en-US" sz="3200" dirty="0"/>
+          </a:p>
+          <a:p>
+            <a:r>
+              <a:rPr lang="en-US" sz="3200" dirty="0" smtClean="0"/>
+              <a:t>Code first and Database first approaches</a:t>
+            </a:r>
+          </a:p>
+          <a:p>
+            <a:endParaRPr lang="en-US" sz="3200" dirty="0"/>
+          </a:p>
+          <a:p>
+            <a:r>
+              <a:rPr lang="en-US" sz="3200" dirty="0" err="1" smtClean="0"/>
+              <a:t>MongoDb</a:t>
+            </a:r>
+            <a:r>
+              <a:rPr lang="en-US" sz="3200" dirty="0" smtClean="0"/>
+              <a:t> and MySQL are up in cloud.</a:t>
+            </a:r>
+            <a:endParaRPr lang="en-CA" sz="3200" dirty="0"/>
+          </a:p>
+        </p:txBody>
+      </p:sp>
+      <p:sp>
+        <p:nvSpPr>
+          <p:cNvPr id="4" name="Заглавие 6"/>
+          <p:cNvSpPr txBox="1">
+            <a:spLocks/>
+          </p:cNvSpPr>
+          <p:nvPr/>
+        </p:nvSpPr>
+        <p:spPr>
+          <a:xfrm>
+            <a:off x="457200" y="228600"/>
+            <a:ext cx="8183880" cy="762000"/>
+          </a:xfrm>
+          <a:prstGeom prst="rect">
+            <a:avLst/>
+          </a:prstGeom>
+        </p:spPr>
+        <p:txBody>
+          <a:bodyPr vert="horz" lIns="91440" tIns="45720" rIns="91440" bIns="45720" rtlCol="0" anchor="t">
+            <a:normAutofit/>
+          </a:bodyPr>
+          <a:lstStyle>
+            <a:lvl1pPr algn="l" defTabSz="914400" rtl="0" eaLnBrk="1" latinLnBrk="0" hangingPunct="1">
+              <a:spcBef>
+                <a:spcPct val="0"/>
+              </a:spcBef>
+              <a:buNone/>
+              <a:defRPr sz="1800" kern="1200" cap="all" baseline="0">
+                <a:solidFill>
+                  <a:schemeClr val="tx1"/>
+                </a:solidFill>
+                <a:latin typeface="+mj-lt"/>
+                <a:ea typeface="+mj-ea"/>
+                <a:cs typeface="+mj-cs"/>
+              </a:defRPr>
+            </a:lvl1pPr>
+            <a:lvl2pPr eaLnBrk="1" hangingPunct="1">
+              <a:defRPr>
+                <a:solidFill>
+                  <a:schemeClr val="tx2"/>
+                </a:solidFill>
+              </a:defRPr>
+            </a:lvl2pPr>
+            <a:lvl3pPr eaLnBrk="1" hangingPunct="1">
+              <a:defRPr>
+                <a:solidFill>
+                  <a:schemeClr val="tx2"/>
+                </a:solidFill>
+              </a:defRPr>
+            </a:lvl3pPr>
+            <a:lvl4pPr eaLnBrk="1" hangingPunct="1">
+              <a:defRPr>
+                <a:solidFill>
+                  <a:schemeClr val="tx2"/>
+                </a:solidFill>
+              </a:defRPr>
+            </a:lvl4pPr>
+            <a:lvl5pPr eaLnBrk="1" hangingPunct="1">
+              <a:defRPr>
+                <a:solidFill>
+                  <a:schemeClr val="tx2"/>
+                </a:solidFill>
+              </a:defRPr>
+            </a:lvl5pPr>
+            <a:lvl6pPr eaLnBrk="1" hangingPunct="1">
+              <a:defRPr>
+                <a:solidFill>
+                  <a:schemeClr val="tx2"/>
+                </a:solidFill>
+              </a:defRPr>
+            </a:lvl6pPr>
+            <a:lvl7pPr eaLnBrk="1" hangingPunct="1">
+              <a:defRPr>
+                <a:solidFill>
+                  <a:schemeClr val="tx2"/>
+                </a:solidFill>
+              </a:defRPr>
+            </a:lvl7pPr>
+            <a:lvl8pPr eaLnBrk="1" hangingPunct="1">
+              <a:defRPr>
+                <a:solidFill>
+                  <a:schemeClr val="tx2"/>
+                </a:solidFill>
+              </a:defRPr>
+            </a:lvl8pPr>
+            <a:lvl9pPr eaLnBrk="1" hangingPunct="1">
+              <a:defRPr>
+                <a:solidFill>
+                  <a:schemeClr val="tx2"/>
+                </a:solidFill>
+              </a:defRPr>
+            </a:lvl9pPr>
+          </a:lstStyle>
+          <a:p>
+            <a:pPr algn="ctr"/>
+            <a:r>
+              <a:rPr lang="en-US" sz="4400" dirty="0" smtClean="0">
+                <a:effectLst>
+                  <a:outerShdw blurRad="38100" dist="38100" dir="2700000" algn="tl">
+                    <a:srgbClr val="000000">
+                      <a:alpha val="43137"/>
+                    </a:srgbClr>
+                  </a:outerShdw>
+                </a:effectLst>
+                <a:latin typeface="Georgia" panose="02040502050405020303" pitchFamily="18" charset="0"/>
+              </a:rPr>
+              <a:t>Common Design patterns</a:t>
+            </a:r>
+            <a:endParaRPr lang="en-US" sz="4400" dirty="0">
+              <a:effectLst>
+                <a:outerShdw blurRad="38100" dist="38100" dir="2700000" algn="tl">
+                  <a:srgbClr val="000000">
+                    <a:alpha val="43137"/>
+                  </a:srgbClr>
+                </a:outerShdw>
+              </a:effectLst>
+              <a:latin typeface="Georgia" panose="02040502050405020303" pitchFamily="18" charset="0"/>
+            </a:endParaRPr>
+          </a:p>
+        </p:txBody>
+      </p:sp>
+    </p:spTree>
+    <p:extLst>
+      <p:ext uri="{BB962C8B-B14F-4D97-AF65-F5344CB8AC3E}">
+        <p14:creationId xmlns:p14="http://schemas.microsoft.com/office/powerpoint/2010/main" val="1408137048"/>
+      </p:ext>
+    </p:extLst>
+  </p:cSld>
+  <p:clrMapOvr>
+    <a:masterClrMapping/>
+  </p:clrMapOvr>
+</p:sld>
+</file>
+
+<file path=ppt/slides/slide7.xml><?xml version="1.0" encoding="utf-8"?>
+<p:sld xmlns:a="http://schemas.openxmlformats.org/drawingml/2006/main" xmlns:r="http://schemas.openxmlformats.org/officeDocument/2006/relationships" xmlns:p="http://schemas.openxmlformats.org/presentationml/2006/main">
+  <p:cSld>
+    <p:spTree>
+      <p:nvGrpSpPr>
+        <p:cNvPr id="1" name=""/>
+        <p:cNvGrpSpPr/>
+        <p:nvPr/>
+      </p:nvGrpSpPr>
+      <p:grpSpPr>
+        <a:xfrm>
+          <a:off x="0" y="0"/>
+          <a:ext cx="0" cy="0"/>
+          <a:chOff x="0" y="0"/>
+          <a:chExt cx="0" cy="0"/>
+        </a:xfrm>
+      </p:grpSpPr>
       <p:pic>
         <p:nvPicPr>
           <p:cNvPr id="1026" name="Picture 2"/>
@@ -4693,7 +4952,7 @@
 </p:sld>
 </file>
 
-<file path=ppt/slides/slide7.xml><?xml version="1.0" encoding="utf-8"?>
+<file path=ppt/slides/slide8.xml><?xml version="1.0" encoding="utf-8"?>
 <p:sld xmlns:a="http://schemas.openxmlformats.org/drawingml/2006/main" xmlns:r="http://schemas.openxmlformats.org/officeDocument/2006/relationships" xmlns:p="http://schemas.openxmlformats.org/presentationml/2006/main">
   <p:cSld>
     <p:spTree>
@@ -4732,12 +4991,12 @@
           <a:graphicData uri="http://schemas.openxmlformats.org/presentationml/2006/ole">
             <mc:AlternateContent xmlns:mc="http://schemas.openxmlformats.org/markup-compatibility/2006">
               <mc:Choice xmlns:v="urn:schemas-microsoft-com:vml" Requires="v">
-                <p:oleObj spid="_x0000_s1027" name="Презентация" r:id="rId3" imgW="4570501" imgH="3427618" progId="PowerPoint.Show.12">
+                <p:oleObj spid="_x0000_s1029" name="Презентация" r:id="rId4" imgW="4570501" imgH="3427618" progId="PowerPoint.Show.12">
                   <p:embed/>
                 </p:oleObj>
               </mc:Choice>
               <mc:Fallback>
-                <p:oleObj name="Презентация" r:id="rId3" imgW="4570501" imgH="3427618" progId="PowerPoint.Show.12">
+                <p:oleObj name="Презентация" r:id="rId4" imgW="4570501" imgH="3427618" progId="PowerPoint.Show.12">
                   <p:embed/>
                   <p:pic>
                     <p:nvPicPr>
@@ -4746,7 +5005,7 @@
                       <p:nvPr/>
                     </p:nvPicPr>
                     <p:blipFill>
-                      <a:blip r:embed="rId4"/>
+                      <a:blip r:embed="rId5"/>
                       <a:stretch>
                         <a:fillRect/>
                       </a:stretch>
@@ -4833,7 +5092,7 @@
                     <a:lumOff val="40000"/>
                   </a:schemeClr>
                 </a:solidFill>
-                <a:hlinkClick r:id="rId5"/>
+                <a:hlinkClick r:id="rId6"/>
               </a:rPr>
               <a:t>https://github.com/Team-Zealot-Databases</a:t>
             </a:r>
